--- a/FYP Presentation/FYP presentation Xinyuan Xu.pptx
+++ b/FYP Presentation/FYP presentation Xinyuan Xu.pptx
@@ -8506,12 +8506,8 @@
           </a:p>
           <a:p>
             <a:r>
-              <a:rPr lang="en-US" cap="none"/>
-              <a:t>Alternating </a:t>
-            </a:r>
-            <a:r>
               <a:rPr lang="en-US" cap="none" dirty="0"/>
-              <a:t>Optimization</a:t>
+              <a:t>Alternating Optimization</a:t>
             </a:r>
           </a:p>
           <a:p>
